--- a/slides/04技術が貿易を決めるリカードモデルv2.pptx
+++ b/slides/04技術が貿易を決めるリカードモデルv2.pptx
@@ -2264,7 +2264,7 @@
           <a:p>
             <a:fld id="{946D7A36-F86F-41AC-8E25-10121D59FE00}" type="datetimeFigureOut">
               <a:rPr kumimoji="1" lang="ja-JP" altLang="en-US" smtClean="0"/>
-              <a:t>2024/5/20</a:t>
+              <a:t>2025/5/12</a:t>
             </a:fld>
             <a:endParaRPr kumimoji="1" lang="ja-JP" altLang="en-US"/>
           </a:p>
@@ -2494,7 +2494,7 @@
           <a:p>
             <a:fld id="{946D7A36-F86F-41AC-8E25-10121D59FE00}" type="datetimeFigureOut">
               <a:rPr kumimoji="1" lang="ja-JP" altLang="en-US" smtClean="0"/>
-              <a:t>2024/5/20</a:t>
+              <a:t>2025/5/12</a:t>
             </a:fld>
             <a:endParaRPr kumimoji="1" lang="ja-JP" altLang="en-US"/>
           </a:p>
@@ -2734,7 +2734,7 @@
           <a:p>
             <a:fld id="{946D7A36-F86F-41AC-8E25-10121D59FE00}" type="datetimeFigureOut">
               <a:rPr kumimoji="1" lang="ja-JP" altLang="en-US" smtClean="0"/>
-              <a:t>2024/5/20</a:t>
+              <a:t>2025/5/12</a:t>
             </a:fld>
             <a:endParaRPr kumimoji="1" lang="ja-JP" altLang="en-US"/>
           </a:p>
@@ -2964,7 +2964,7 @@
           <a:p>
             <a:fld id="{946D7A36-F86F-41AC-8E25-10121D59FE00}" type="datetimeFigureOut">
               <a:rPr kumimoji="1" lang="ja-JP" altLang="en-US" smtClean="0"/>
-              <a:t>2024/5/20</a:t>
+              <a:t>2025/5/12</a:t>
             </a:fld>
             <a:endParaRPr kumimoji="1" lang="ja-JP" altLang="en-US"/>
           </a:p>
@@ -3239,7 +3239,7 @@
           <a:p>
             <a:fld id="{946D7A36-F86F-41AC-8E25-10121D59FE00}" type="datetimeFigureOut">
               <a:rPr kumimoji="1" lang="ja-JP" altLang="en-US" smtClean="0"/>
-              <a:t>2024/5/20</a:t>
+              <a:t>2025/5/12</a:t>
             </a:fld>
             <a:endParaRPr kumimoji="1" lang="ja-JP" altLang="en-US"/>
           </a:p>
@@ -3568,7 +3568,7 @@
           <a:p>
             <a:fld id="{946D7A36-F86F-41AC-8E25-10121D59FE00}" type="datetimeFigureOut">
               <a:rPr kumimoji="1" lang="ja-JP" altLang="en-US" smtClean="0"/>
-              <a:t>2024/5/20</a:t>
+              <a:t>2025/5/12</a:t>
             </a:fld>
             <a:endParaRPr kumimoji="1" lang="ja-JP" altLang="en-US"/>
           </a:p>
@@ -4044,7 +4044,7 @@
           <a:p>
             <a:fld id="{946D7A36-F86F-41AC-8E25-10121D59FE00}" type="datetimeFigureOut">
               <a:rPr kumimoji="1" lang="ja-JP" altLang="en-US" smtClean="0"/>
-              <a:t>2024/5/20</a:t>
+              <a:t>2025/5/12</a:t>
             </a:fld>
             <a:endParaRPr kumimoji="1" lang="ja-JP" altLang="en-US"/>
           </a:p>
@@ -4185,7 +4185,7 @@
           <a:p>
             <a:fld id="{946D7A36-F86F-41AC-8E25-10121D59FE00}" type="datetimeFigureOut">
               <a:rPr kumimoji="1" lang="ja-JP" altLang="en-US" smtClean="0"/>
-              <a:t>2024/5/20</a:t>
+              <a:t>2025/5/12</a:t>
             </a:fld>
             <a:endParaRPr kumimoji="1" lang="ja-JP" altLang="en-US"/>
           </a:p>
@@ -4298,7 +4298,7 @@
           <a:p>
             <a:fld id="{946D7A36-F86F-41AC-8E25-10121D59FE00}" type="datetimeFigureOut">
               <a:rPr kumimoji="1" lang="ja-JP" altLang="en-US" smtClean="0"/>
-              <a:t>2024/5/20</a:t>
+              <a:t>2025/5/12</a:t>
             </a:fld>
             <a:endParaRPr kumimoji="1" lang="ja-JP" altLang="en-US"/>
           </a:p>
@@ -4641,7 +4641,7 @@
           <a:p>
             <a:fld id="{946D7A36-F86F-41AC-8E25-10121D59FE00}" type="datetimeFigureOut">
               <a:rPr kumimoji="1" lang="ja-JP" altLang="en-US" smtClean="0"/>
-              <a:t>2024/5/20</a:t>
+              <a:t>2025/5/12</a:t>
             </a:fld>
             <a:endParaRPr kumimoji="1" lang="ja-JP" altLang="en-US"/>
           </a:p>
@@ -4929,7 +4929,7 @@
           <a:p>
             <a:fld id="{946D7A36-F86F-41AC-8E25-10121D59FE00}" type="datetimeFigureOut">
               <a:rPr kumimoji="1" lang="ja-JP" altLang="en-US" smtClean="0"/>
-              <a:t>2024/5/20</a:t>
+              <a:t>2025/5/12</a:t>
             </a:fld>
             <a:endParaRPr kumimoji="1" lang="ja-JP" altLang="en-US"/>
           </a:p>
@@ -5202,7 +5202,7 @@
           <a:p>
             <a:fld id="{946D7A36-F86F-41AC-8E25-10121D59FE00}" type="datetimeFigureOut">
               <a:rPr kumimoji="1" lang="ja-JP" altLang="en-US" smtClean="0"/>
-              <a:t>2024/5/20</a:t>
+              <a:t>2025/5/12</a:t>
             </a:fld>
             <a:endParaRPr kumimoji="1" lang="ja-JP" altLang="en-US"/>
           </a:p>
@@ -9541,6 +9541,9 @@
                         <m:ctrlPr>
                           <a:rPr lang="ja-JP" altLang="ja-JP" sz="2400" i="1" kern="100" smtClean="0">
                             <a:effectLst/>
+                            <a:highlight>
+                              <a:srgbClr val="FFFF00"/>
+                            </a:highlight>
                             <a:latin typeface="Cambria Math" panose="02040503050406030204" pitchFamily="18" charset="0"/>
                             <a:ea typeface="Cambria Math" panose="02040503050406030204" pitchFamily="18" charset="0"/>
                             <a:cs typeface="Times New Roman" panose="02020603050405020304" pitchFamily="18" charset="0"/>
@@ -9551,6 +9554,9 @@
                         <m:r>
                           <a:rPr lang="en-US" altLang="ja-JP" sz="2400" i="1" kern="100">
                             <a:effectLst/>
+                            <a:highlight>
+                              <a:srgbClr val="FFFF00"/>
+                            </a:highlight>
                             <a:latin typeface="Cambria Math" panose="02040503050406030204" pitchFamily="18" charset="0"/>
                             <a:ea typeface="ＭＳ 明朝" panose="02020609040205080304" pitchFamily="17" charset="-128"/>
                             <a:cs typeface="Times New Roman" panose="02020603050405020304" pitchFamily="18" charset="0"/>
@@ -9562,6 +9568,9 @@
                         <m:r>
                           <a:rPr lang="en-US" altLang="ja-JP" sz="2400" i="1" kern="100">
                             <a:effectLst/>
+                            <a:highlight>
+                              <a:srgbClr val="FFFF00"/>
+                            </a:highlight>
                             <a:latin typeface="Cambria Math" panose="02040503050406030204" pitchFamily="18" charset="0"/>
                             <a:ea typeface="ＭＳ 明朝" panose="02020609040205080304" pitchFamily="17" charset="-128"/>
                             <a:cs typeface="Times New Roman" panose="02020603050405020304" pitchFamily="18" charset="0"/>
@@ -9587,6 +9596,9 @@
                         <m:ctrlPr>
                           <a:rPr lang="ja-JP" altLang="ja-JP" sz="2400" i="1" kern="100">
                             <a:effectLst/>
+                            <a:highlight>
+                              <a:srgbClr val="00FFFF"/>
+                            </a:highlight>
                             <a:latin typeface="Cambria Math" panose="02040503050406030204" pitchFamily="18" charset="0"/>
                             <a:ea typeface="Cambria Math" panose="02040503050406030204" pitchFamily="18" charset="0"/>
                             <a:cs typeface="Times New Roman" panose="02020603050405020304" pitchFamily="18" charset="0"/>
@@ -9597,6 +9609,9 @@
                         <m:r>
                           <a:rPr lang="en-US" altLang="ja-JP" sz="2400" i="1" kern="100">
                             <a:effectLst/>
+                            <a:highlight>
+                              <a:srgbClr val="00FFFF"/>
+                            </a:highlight>
                             <a:latin typeface="Cambria Math" panose="02040503050406030204" pitchFamily="18" charset="0"/>
                             <a:ea typeface="ＭＳ 明朝" panose="02020609040205080304" pitchFamily="17" charset="-128"/>
                             <a:cs typeface="Times New Roman" panose="02020603050405020304" pitchFamily="18" charset="0"/>
@@ -9608,6 +9623,9 @@
                         <m:r>
                           <a:rPr lang="en-US" altLang="ja-JP" sz="2400" i="1" kern="100">
                             <a:effectLst/>
+                            <a:highlight>
+                              <a:srgbClr val="00FFFF"/>
+                            </a:highlight>
                             <a:latin typeface="Cambria Math" panose="02040503050406030204" pitchFamily="18" charset="0"/>
                             <a:ea typeface="ＭＳ 明朝" panose="02020609040205080304" pitchFamily="17" charset="-128"/>
                             <a:cs typeface="Times New Roman" panose="02020603050405020304" pitchFamily="18" charset="0"/>
@@ -9631,6 +9649,9 @@
                     <m:r>
                       <a:rPr lang="en-US" altLang="ja-JP" sz="2400" i="1" kern="100">
                         <a:effectLst/>
+                        <a:highlight>
+                          <a:srgbClr val="00FF00"/>
+                        </a:highlight>
                         <a:latin typeface="Cambria Math" panose="02040503050406030204" pitchFamily="18" charset="0"/>
                         <a:ea typeface="ＭＳ 明朝" panose="02020609040205080304" pitchFamily="17" charset="-128"/>
                         <a:cs typeface="Times New Roman" panose="02020603050405020304" pitchFamily="18" charset="0"/>
@@ -10017,13 +10038,13 @@
                 </a:r>
               </a:p>
               <a:p>
-                <a:pPr algn="ctr"/>
+                <a:pPr lvl="1"/>
                 <a14:m>
                   <m:oMath xmlns:m="http://schemas.openxmlformats.org/officeDocument/2006/math">
                     <m:sSub>
                       <m:sSubPr>
                         <m:ctrlPr>
-                          <a:rPr lang="ja-JP" altLang="ja-JP" sz="2400" i="1" kern="100">
+                          <a:rPr lang="ja-JP" altLang="ja-JP" sz="2000" i="1" kern="100">
                             <a:effectLst/>
                             <a:latin typeface="Cambria Math" panose="02040503050406030204" pitchFamily="18" charset="0"/>
                             <a:ea typeface="Cambria Math" panose="02040503050406030204" pitchFamily="18" charset="0"/>
@@ -10033,7 +10054,7 @@
                       </m:sSubPr>
                       <m:e>
                         <m:r>
-                          <a:rPr lang="en-US" altLang="ja-JP" sz="2400" i="1" kern="100">
+                          <a:rPr lang="en-US" altLang="ja-JP" sz="2000" i="1" kern="100">
                             <a:effectLst/>
                             <a:latin typeface="Cambria Math" panose="02040503050406030204" pitchFamily="18" charset="0"/>
                             <a:ea typeface="ＭＳ 明朝" panose="02020609040205080304" pitchFamily="17" charset="-128"/>
@@ -10044,7 +10065,7 @@
                       </m:e>
                       <m:sub>
                         <m:r>
-                          <a:rPr lang="en-US" altLang="ja-JP" sz="2400" i="1" kern="100">
+                          <a:rPr lang="en-US" altLang="ja-JP" sz="2000" i="1" kern="100">
                             <a:effectLst/>
                             <a:latin typeface="Cambria Math" panose="02040503050406030204" pitchFamily="18" charset="0"/>
                             <a:ea typeface="ＭＳ 明朝" panose="02020609040205080304" pitchFamily="17" charset="-128"/>
@@ -10055,7 +10076,7 @@
                       </m:sub>
                     </m:sSub>
                     <m:r>
-                      <a:rPr lang="en-US" altLang="ja-JP" sz="2400" i="1" kern="100">
+                      <a:rPr lang="en-US" altLang="ja-JP" sz="2000" i="1" kern="100">
                         <a:effectLst/>
                         <a:latin typeface="Cambria Math" panose="02040503050406030204" pitchFamily="18" charset="0"/>
                         <a:ea typeface="ＭＳ 明朝" panose="02020609040205080304" pitchFamily="17" charset="-128"/>
@@ -10066,7 +10087,7 @@
                     <m:sSub>
                       <m:sSubPr>
                         <m:ctrlPr>
-                          <a:rPr lang="ja-JP" altLang="ja-JP" sz="2400" i="1" kern="100">
+                          <a:rPr lang="ja-JP" altLang="ja-JP" sz="2000" i="1" kern="100">
                             <a:effectLst/>
                             <a:latin typeface="Cambria Math" panose="02040503050406030204" pitchFamily="18" charset="0"/>
                             <a:ea typeface="Cambria Math" panose="02040503050406030204" pitchFamily="18" charset="0"/>
@@ -10076,7 +10097,7 @@
                       </m:sSubPr>
                       <m:e>
                         <m:r>
-                          <a:rPr lang="en-US" altLang="ja-JP" sz="2400" i="1" kern="100">
+                          <a:rPr lang="en-US" altLang="ja-JP" sz="2000" i="1" kern="100">
                             <a:effectLst/>
                             <a:latin typeface="Cambria Math" panose="02040503050406030204" pitchFamily="18" charset="0"/>
                             <a:ea typeface="ＭＳ 明朝" panose="02020609040205080304" pitchFamily="17" charset="-128"/>
@@ -10087,7 +10108,7 @@
                       </m:e>
                       <m:sub>
                         <m:r>
-                          <a:rPr lang="en-US" altLang="ja-JP" sz="2400" i="1" kern="100">
+                          <a:rPr lang="en-US" altLang="ja-JP" sz="2000" i="1" kern="100">
                             <a:effectLst/>
                             <a:latin typeface="Cambria Math" panose="02040503050406030204" pitchFamily="18" charset="0"/>
                             <a:ea typeface="ＭＳ 明朝" panose="02020609040205080304" pitchFamily="17" charset="-128"/>
@@ -10100,7 +10121,7 @@
                     <m:sSub>
                       <m:sSubPr>
                         <m:ctrlPr>
-                          <a:rPr lang="ja-JP" altLang="ja-JP" sz="2400" i="1" kern="100">
+                          <a:rPr lang="ja-JP" altLang="ja-JP" sz="2000" i="1" kern="100">
                             <a:effectLst/>
                             <a:latin typeface="Cambria Math" panose="02040503050406030204" pitchFamily="18" charset="0"/>
                             <a:ea typeface="Cambria Math" panose="02040503050406030204" pitchFamily="18" charset="0"/>
@@ -10110,7 +10131,7 @@
                       </m:sSubPr>
                       <m:e>
                         <m:r>
-                          <a:rPr lang="en-US" altLang="ja-JP" sz="2400" i="1" kern="100">
+                          <a:rPr lang="en-US" altLang="ja-JP" sz="2000" i="1" kern="100">
                             <a:effectLst/>
                             <a:latin typeface="Cambria Math" panose="02040503050406030204" pitchFamily="18" charset="0"/>
                             <a:ea typeface="ＭＳ 明朝" panose="02020609040205080304" pitchFamily="17" charset="-128"/>
@@ -10121,7 +10142,7 @@
                       </m:e>
                       <m:sub>
                         <m:r>
-                          <a:rPr lang="en-US" altLang="ja-JP" sz="2400" i="1" kern="100">
+                          <a:rPr lang="en-US" altLang="ja-JP" sz="2000" i="1" kern="100">
                             <a:effectLst/>
                             <a:latin typeface="Cambria Math" panose="02040503050406030204" pitchFamily="18" charset="0"/>
                             <a:ea typeface="ＭＳ 明朝" panose="02020609040205080304" pitchFamily="17" charset="-128"/>
@@ -10132,7 +10153,7 @@
                       </m:sub>
                     </m:sSub>
                     <m:r>
-                      <a:rPr lang="en-US" altLang="ja-JP" sz="2400" i="1" kern="100">
+                      <a:rPr lang="en-US" altLang="ja-JP" sz="2000" i="1" kern="100">
                         <a:effectLst/>
                         <a:latin typeface="Cambria Math" panose="02040503050406030204" pitchFamily="18" charset="0"/>
                         <a:ea typeface="ＭＳ 明朝" panose="02020609040205080304" pitchFamily="17" charset="-128"/>
@@ -10143,7 +10164,7 @@
                     <m:sSub>
                       <m:sSubPr>
                         <m:ctrlPr>
-                          <a:rPr lang="ja-JP" altLang="ja-JP" sz="2400" i="1" kern="100">
+                          <a:rPr lang="ja-JP" altLang="ja-JP" sz="2000" i="1" kern="100">
                             <a:effectLst/>
                             <a:latin typeface="Cambria Math" panose="02040503050406030204" pitchFamily="18" charset="0"/>
                             <a:ea typeface="Cambria Math" panose="02040503050406030204" pitchFamily="18" charset="0"/>
@@ -10153,7 +10174,7 @@
                       </m:sSubPr>
                       <m:e>
                         <m:r>
-                          <a:rPr lang="en-US" altLang="ja-JP" sz="2400" i="1" kern="100">
+                          <a:rPr lang="en-US" altLang="ja-JP" sz="2000" i="1" kern="100">
                             <a:effectLst/>
                             <a:latin typeface="Cambria Math" panose="02040503050406030204" pitchFamily="18" charset="0"/>
                             <a:ea typeface="ＭＳ 明朝" panose="02020609040205080304" pitchFamily="17" charset="-128"/>
@@ -10164,7 +10185,7 @@
                       </m:e>
                       <m:sub>
                         <m:r>
-                          <a:rPr lang="en-US" altLang="ja-JP" sz="2400" i="1" kern="100">
+                          <a:rPr lang="en-US" altLang="ja-JP" sz="2000" i="1" kern="100">
                             <a:effectLst/>
                             <a:latin typeface="Cambria Math" panose="02040503050406030204" pitchFamily="18" charset="0"/>
                             <a:ea typeface="ＭＳ 明朝" panose="02020609040205080304" pitchFamily="17" charset="-128"/>
@@ -10177,8 +10198,11 @@
                     <m:sSub>
                       <m:sSubPr>
                         <m:ctrlPr>
-                          <a:rPr lang="ja-JP" altLang="ja-JP" sz="2400" i="1" kern="100">
+                          <a:rPr lang="ja-JP" altLang="ja-JP" sz="2000" i="1" kern="100">
                             <a:effectLst/>
+                            <a:highlight>
+                              <a:srgbClr val="FFFF00"/>
+                            </a:highlight>
                             <a:latin typeface="Cambria Math" panose="02040503050406030204" pitchFamily="18" charset="0"/>
                             <a:ea typeface="Cambria Math" panose="02040503050406030204" pitchFamily="18" charset="0"/>
                             <a:cs typeface="Times New Roman" panose="02020603050405020304" pitchFamily="18" charset="0"/>
@@ -10187,8 +10211,11 @@
                       </m:sSubPr>
                       <m:e>
                         <m:r>
-                          <a:rPr lang="en-US" altLang="ja-JP" sz="2400" i="1" kern="100">
+                          <a:rPr lang="en-US" altLang="ja-JP" sz="2000" i="1" kern="100">
                             <a:effectLst/>
+                            <a:highlight>
+                              <a:srgbClr val="FFFF00"/>
+                            </a:highlight>
                             <a:latin typeface="Cambria Math" panose="02040503050406030204" pitchFamily="18" charset="0"/>
                             <a:ea typeface="ＭＳ 明朝" panose="02020609040205080304" pitchFamily="17" charset="-128"/>
                             <a:cs typeface="Times New Roman" panose="02020603050405020304" pitchFamily="18" charset="0"/>
@@ -10198,8 +10225,11 @@
                       </m:e>
                       <m:sub>
                         <m:r>
-                          <a:rPr lang="en-US" altLang="ja-JP" sz="2400" i="1" kern="100">
+                          <a:rPr lang="en-US" altLang="ja-JP" sz="2000" i="1" kern="100">
                             <a:effectLst/>
+                            <a:highlight>
+                              <a:srgbClr val="FFFF00"/>
+                            </a:highlight>
                             <a:latin typeface="Cambria Math" panose="02040503050406030204" pitchFamily="18" charset="0"/>
                             <a:ea typeface="ＭＳ 明朝" panose="02020609040205080304" pitchFamily="17" charset="-128"/>
                             <a:cs typeface="Times New Roman" panose="02020603050405020304" pitchFamily="18" charset="0"/>
@@ -10209,7 +10239,7 @@
                       </m:sub>
                     </m:sSub>
                     <m:r>
-                      <a:rPr lang="en-US" altLang="ja-JP" sz="2400" i="1" kern="100">
+                      <a:rPr lang="en-US" altLang="ja-JP" sz="2000" i="1" kern="100">
                         <a:effectLst/>
                         <a:latin typeface="Cambria Math" panose="02040503050406030204" pitchFamily="18" charset="0"/>
                         <a:ea typeface="ＭＳ 明朝" panose="02020609040205080304" pitchFamily="17" charset="-128"/>
@@ -10218,7 +10248,7 @@
                       <m:t>−</m:t>
                     </m:r>
                     <m:r>
-                      <a:rPr lang="en-US" altLang="ja-JP" sz="2400" i="1" kern="100">
+                      <a:rPr lang="en-US" altLang="ja-JP" sz="2000" i="1" kern="100">
                         <a:effectLst/>
                         <a:latin typeface="Cambria Math" panose="02040503050406030204" pitchFamily="18" charset="0"/>
                         <a:ea typeface="ＭＳ 明朝" panose="02020609040205080304" pitchFamily="17" charset="-128"/>
@@ -10229,8 +10259,11 @@
                     <m:sSub>
                       <m:sSubPr>
                         <m:ctrlPr>
-                          <a:rPr lang="ja-JP" altLang="ja-JP" sz="2400" i="1" kern="100">
+                          <a:rPr lang="ja-JP" altLang="ja-JP" sz="2000" i="1" kern="100">
                             <a:effectLst/>
+                            <a:highlight>
+                              <a:srgbClr val="00FF00"/>
+                            </a:highlight>
                             <a:latin typeface="Cambria Math" panose="02040503050406030204" pitchFamily="18" charset="0"/>
                             <a:ea typeface="Cambria Math" panose="02040503050406030204" pitchFamily="18" charset="0"/>
                             <a:cs typeface="Times New Roman" panose="02020603050405020304" pitchFamily="18" charset="0"/>
@@ -10239,8 +10272,11 @@
                       </m:sSubPr>
                       <m:e>
                         <m:r>
-                          <a:rPr lang="en-US" altLang="ja-JP" sz="2400" i="1" kern="100">
+                          <a:rPr lang="en-US" altLang="ja-JP" sz="2000" i="1" kern="100">
                             <a:effectLst/>
+                            <a:highlight>
+                              <a:srgbClr val="00FF00"/>
+                            </a:highlight>
                             <a:latin typeface="Cambria Math" panose="02040503050406030204" pitchFamily="18" charset="0"/>
                             <a:ea typeface="ＭＳ 明朝" panose="02020609040205080304" pitchFamily="17" charset="-128"/>
                             <a:cs typeface="Times New Roman" panose="02020603050405020304" pitchFamily="18" charset="0"/>
@@ -10250,8 +10286,11 @@
                       </m:e>
                       <m:sub>
                         <m:r>
-                          <a:rPr lang="en-US" altLang="ja-JP" sz="2400" i="1" kern="100">
+                          <a:rPr lang="en-US" altLang="ja-JP" sz="2000" i="1" kern="100">
                             <a:effectLst/>
+                            <a:highlight>
+                              <a:srgbClr val="00FF00"/>
+                            </a:highlight>
                             <a:latin typeface="Cambria Math" panose="02040503050406030204" pitchFamily="18" charset="0"/>
                             <a:ea typeface="ＭＳ 明朝" panose="02020609040205080304" pitchFamily="17" charset="-128"/>
                             <a:cs typeface="Times New Roman" panose="02020603050405020304" pitchFamily="18" charset="0"/>
@@ -10263,19 +10302,22 @@
                   </m:oMath>
                 </a14:m>
                 <a:r>
-                  <a:rPr lang="en-US" altLang="ja-JP" sz="2400" kern="100" dirty="0">
+                  <a:rPr lang="en-US" altLang="ja-JP" sz="2000" kern="100" dirty="0">
                     <a:effectLst/>
                     <a:ea typeface="ＭＳ 明朝" panose="02020609040205080304" pitchFamily="17" charset="-128"/>
                     <a:cs typeface="Times New Roman" panose="02020603050405020304" pitchFamily="18" charset="0"/>
                   </a:rPr>
                   <a:t>, </a:t>
                 </a:r>
+              </a:p>
+              <a:p>
+                <a:pPr lvl="1"/>
                 <a14:m>
                   <m:oMath xmlns:m="http://schemas.openxmlformats.org/officeDocument/2006/math">
                     <m:sSub>
                       <m:sSubPr>
                         <m:ctrlPr>
-                          <a:rPr lang="ja-JP" altLang="ja-JP" sz="2400" i="1" kern="100">
+                          <a:rPr lang="ja-JP" altLang="ja-JP" sz="2000" i="1" kern="100">
                             <a:effectLst/>
                             <a:latin typeface="Cambria Math" panose="02040503050406030204" pitchFamily="18" charset="0"/>
                             <a:ea typeface="Cambria Math" panose="02040503050406030204" pitchFamily="18" charset="0"/>
@@ -10285,7 +10327,7 @@
                       </m:sSubPr>
                       <m:e>
                         <m:r>
-                          <a:rPr lang="en-US" altLang="ja-JP" sz="2400" i="1" kern="100">
+                          <a:rPr lang="en-US" altLang="ja-JP" sz="2000" i="1" kern="100">
                             <a:effectLst/>
                             <a:latin typeface="Cambria Math" panose="02040503050406030204" pitchFamily="18" charset="0"/>
                             <a:ea typeface="ＭＳ 明朝" panose="02020609040205080304" pitchFamily="17" charset="-128"/>
@@ -10296,7 +10338,7 @@
                       </m:e>
                       <m:sub>
                         <m:r>
-                          <a:rPr lang="en-US" altLang="ja-JP" sz="2400" i="1" kern="100">
+                          <a:rPr lang="en-US" altLang="ja-JP" sz="2000" i="1" kern="100">
                             <a:effectLst/>
                             <a:latin typeface="Cambria Math" panose="02040503050406030204" pitchFamily="18" charset="0"/>
                             <a:ea typeface="ＭＳ 明朝" panose="02020609040205080304" pitchFamily="17" charset="-128"/>
@@ -10307,7 +10349,7 @@
                       </m:sub>
                     </m:sSub>
                     <m:r>
-                      <a:rPr lang="en-US" altLang="ja-JP" sz="2400" i="1" kern="100">
+                      <a:rPr lang="en-US" altLang="ja-JP" sz="2000" i="1" kern="100">
                         <a:effectLst/>
                         <a:latin typeface="Cambria Math" panose="02040503050406030204" pitchFamily="18" charset="0"/>
                         <a:ea typeface="ＭＳ 明朝" panose="02020609040205080304" pitchFamily="17" charset="-128"/>
@@ -10318,7 +10360,7 @@
                     <m:sSub>
                       <m:sSubPr>
                         <m:ctrlPr>
-                          <a:rPr lang="ja-JP" altLang="ja-JP" sz="2400" i="1" kern="100">
+                          <a:rPr lang="ja-JP" altLang="ja-JP" sz="2000" i="1" kern="100">
                             <a:effectLst/>
                             <a:latin typeface="Cambria Math" panose="02040503050406030204" pitchFamily="18" charset="0"/>
                             <a:ea typeface="Cambria Math" panose="02040503050406030204" pitchFamily="18" charset="0"/>
@@ -10328,7 +10370,7 @@
                       </m:sSubPr>
                       <m:e>
                         <m:r>
-                          <a:rPr lang="en-US" altLang="ja-JP" sz="2400" i="1" kern="100">
+                          <a:rPr lang="en-US" altLang="ja-JP" sz="2000" i="1" kern="100">
                             <a:effectLst/>
                             <a:latin typeface="Cambria Math" panose="02040503050406030204" pitchFamily="18" charset="0"/>
                             <a:ea typeface="ＭＳ 明朝" panose="02020609040205080304" pitchFamily="17" charset="-128"/>
@@ -10339,7 +10381,7 @@
                       </m:e>
                       <m:sub>
                         <m:r>
-                          <a:rPr lang="en-US" altLang="ja-JP" sz="2400" i="1" kern="100">
+                          <a:rPr lang="en-US" altLang="ja-JP" sz="2000" i="1" kern="100">
                             <a:effectLst/>
                             <a:latin typeface="Cambria Math" panose="02040503050406030204" pitchFamily="18" charset="0"/>
                             <a:ea typeface="ＭＳ 明朝" panose="02020609040205080304" pitchFamily="17" charset="-128"/>
@@ -10352,7 +10394,7 @@
                     <m:sSub>
                       <m:sSubPr>
                         <m:ctrlPr>
-                          <a:rPr lang="ja-JP" altLang="ja-JP" sz="2400" i="1" kern="100">
+                          <a:rPr lang="ja-JP" altLang="ja-JP" sz="2000" i="1" kern="100">
                             <a:effectLst/>
                             <a:latin typeface="Cambria Math" panose="02040503050406030204" pitchFamily="18" charset="0"/>
                             <a:ea typeface="Cambria Math" panose="02040503050406030204" pitchFamily="18" charset="0"/>
@@ -10362,7 +10404,7 @@
                       </m:sSubPr>
                       <m:e>
                         <m:r>
-                          <a:rPr lang="en-US" altLang="ja-JP" sz="2400" i="1" kern="100">
+                          <a:rPr lang="en-US" altLang="ja-JP" sz="2000" i="1" kern="100">
                             <a:effectLst/>
                             <a:latin typeface="Cambria Math" panose="02040503050406030204" pitchFamily="18" charset="0"/>
                             <a:ea typeface="ＭＳ 明朝" panose="02020609040205080304" pitchFamily="17" charset="-128"/>
@@ -10373,7 +10415,7 @@
                       </m:e>
                       <m:sub>
                         <m:r>
-                          <a:rPr lang="en-US" altLang="ja-JP" sz="2400" i="1" kern="100">
+                          <a:rPr lang="en-US" altLang="ja-JP" sz="2000" i="1" kern="100">
                             <a:effectLst/>
                             <a:latin typeface="Cambria Math" panose="02040503050406030204" pitchFamily="18" charset="0"/>
                             <a:ea typeface="ＭＳ 明朝" panose="02020609040205080304" pitchFamily="17" charset="-128"/>
@@ -10384,7 +10426,7 @@
                       </m:sub>
                     </m:sSub>
                     <m:r>
-                      <a:rPr lang="en-US" altLang="ja-JP" sz="2400" i="1" kern="100">
+                      <a:rPr lang="en-US" altLang="ja-JP" sz="2000" i="1" kern="100">
                         <a:effectLst/>
                         <a:latin typeface="Cambria Math" panose="02040503050406030204" pitchFamily="18" charset="0"/>
                         <a:ea typeface="ＭＳ 明朝" panose="02020609040205080304" pitchFamily="17" charset="-128"/>
@@ -10395,7 +10437,7 @@
                     <m:sSub>
                       <m:sSubPr>
                         <m:ctrlPr>
-                          <a:rPr lang="ja-JP" altLang="ja-JP" sz="2400" i="1" kern="100">
+                          <a:rPr lang="ja-JP" altLang="ja-JP" sz="2000" i="1" kern="100">
                             <a:effectLst/>
                             <a:latin typeface="Cambria Math" panose="02040503050406030204" pitchFamily="18" charset="0"/>
                             <a:ea typeface="Cambria Math" panose="02040503050406030204" pitchFamily="18" charset="0"/>
@@ -10405,7 +10447,7 @@
                       </m:sSubPr>
                       <m:e>
                         <m:r>
-                          <a:rPr lang="en-US" altLang="ja-JP" sz="2400" i="1" kern="100">
+                          <a:rPr lang="en-US" altLang="ja-JP" sz="2000" i="1" kern="100">
                             <a:effectLst/>
                             <a:latin typeface="Cambria Math" panose="02040503050406030204" pitchFamily="18" charset="0"/>
                             <a:ea typeface="ＭＳ 明朝" panose="02020609040205080304" pitchFamily="17" charset="-128"/>
@@ -10416,7 +10458,7 @@
                       </m:e>
                       <m:sub>
                         <m:r>
-                          <a:rPr lang="en-US" altLang="ja-JP" sz="2400" i="1" kern="100">
+                          <a:rPr lang="en-US" altLang="ja-JP" sz="2000" i="1" kern="100">
                             <a:effectLst/>
                             <a:latin typeface="Cambria Math" panose="02040503050406030204" pitchFamily="18" charset="0"/>
                             <a:ea typeface="ＭＳ 明朝" panose="02020609040205080304" pitchFamily="17" charset="-128"/>
@@ -10429,8 +10471,11 @@
                     <m:sSub>
                       <m:sSubPr>
                         <m:ctrlPr>
-                          <a:rPr lang="ja-JP" altLang="ja-JP" sz="2400" i="1" kern="100">
+                          <a:rPr lang="ja-JP" altLang="ja-JP" sz="2000" i="1" kern="100">
                             <a:effectLst/>
+                            <a:highlight>
+                              <a:srgbClr val="00FFFF"/>
+                            </a:highlight>
                             <a:latin typeface="Cambria Math" panose="02040503050406030204" pitchFamily="18" charset="0"/>
                             <a:ea typeface="Cambria Math" panose="02040503050406030204" pitchFamily="18" charset="0"/>
                             <a:cs typeface="Times New Roman" panose="02020603050405020304" pitchFamily="18" charset="0"/>
@@ -10439,8 +10484,11 @@
                       </m:sSubPr>
                       <m:e>
                         <m:r>
-                          <a:rPr lang="en-US" altLang="ja-JP" sz="2400" i="1" kern="100">
+                          <a:rPr lang="en-US" altLang="ja-JP" sz="2000" i="1" kern="100">
                             <a:effectLst/>
+                            <a:highlight>
+                              <a:srgbClr val="00FFFF"/>
+                            </a:highlight>
                             <a:latin typeface="Cambria Math" panose="02040503050406030204" pitchFamily="18" charset="0"/>
                             <a:ea typeface="ＭＳ 明朝" panose="02020609040205080304" pitchFamily="17" charset="-128"/>
                             <a:cs typeface="Times New Roman" panose="02020603050405020304" pitchFamily="18" charset="0"/>
@@ -10450,8 +10498,11 @@
                       </m:e>
                       <m:sub>
                         <m:r>
-                          <a:rPr lang="en-US" altLang="ja-JP" sz="2400" i="1" kern="100">
+                          <a:rPr lang="en-US" altLang="ja-JP" sz="2000" i="1" kern="100">
                             <a:effectLst/>
+                            <a:highlight>
+                              <a:srgbClr val="00FFFF"/>
+                            </a:highlight>
                             <a:latin typeface="Cambria Math" panose="02040503050406030204" pitchFamily="18" charset="0"/>
                             <a:ea typeface="ＭＳ 明朝" panose="02020609040205080304" pitchFamily="17" charset="-128"/>
                             <a:cs typeface="Times New Roman" panose="02020603050405020304" pitchFamily="18" charset="0"/>
@@ -10461,7 +10512,7 @@
                       </m:sub>
                     </m:sSub>
                     <m:r>
-                      <a:rPr lang="en-US" altLang="ja-JP" sz="2400" i="1" kern="100">
+                      <a:rPr lang="en-US" altLang="ja-JP" sz="2000" i="1" kern="100">
                         <a:effectLst/>
                         <a:latin typeface="Cambria Math" panose="02040503050406030204" pitchFamily="18" charset="0"/>
                         <a:ea typeface="ＭＳ 明朝" panose="02020609040205080304" pitchFamily="17" charset="-128"/>
@@ -10470,7 +10521,7 @@
                       <m:t>−</m:t>
                     </m:r>
                     <m:r>
-                      <a:rPr lang="en-US" altLang="ja-JP" sz="2400" i="1" kern="100">
+                      <a:rPr lang="en-US" altLang="ja-JP" sz="2000" i="1" kern="100">
                         <a:effectLst/>
                         <a:latin typeface="Cambria Math" panose="02040503050406030204" pitchFamily="18" charset="0"/>
                         <a:ea typeface="ＭＳ 明朝" panose="02020609040205080304" pitchFamily="17" charset="-128"/>
@@ -10481,8 +10532,11 @@
                     <m:sSub>
                       <m:sSubPr>
                         <m:ctrlPr>
-                          <a:rPr lang="ja-JP" altLang="ja-JP" sz="2400" i="1" kern="100">
+                          <a:rPr lang="ja-JP" altLang="ja-JP" sz="2000" i="1" kern="100">
                             <a:effectLst/>
+                            <a:highlight>
+                              <a:srgbClr val="00FF00"/>
+                            </a:highlight>
                             <a:latin typeface="Cambria Math" panose="02040503050406030204" pitchFamily="18" charset="0"/>
                             <a:ea typeface="Cambria Math" panose="02040503050406030204" pitchFamily="18" charset="0"/>
                             <a:cs typeface="Times New Roman" panose="02020603050405020304" pitchFamily="18" charset="0"/>
@@ -10491,8 +10545,11 @@
                       </m:sSubPr>
                       <m:e>
                         <m:r>
-                          <a:rPr lang="en-US" altLang="ja-JP" sz="2400" i="1" kern="100">
+                          <a:rPr lang="en-US" altLang="ja-JP" sz="2000" i="1" kern="100">
                             <a:effectLst/>
+                            <a:highlight>
+                              <a:srgbClr val="00FF00"/>
+                            </a:highlight>
                             <a:latin typeface="Cambria Math" panose="02040503050406030204" pitchFamily="18" charset="0"/>
                             <a:ea typeface="ＭＳ 明朝" panose="02020609040205080304" pitchFamily="17" charset="-128"/>
                             <a:cs typeface="Times New Roman" panose="02020603050405020304" pitchFamily="18" charset="0"/>
@@ -10502,8 +10559,11 @@
                       </m:e>
                       <m:sub>
                         <m:r>
-                          <a:rPr lang="en-US" altLang="ja-JP" sz="2400" i="1" kern="100">
+                          <a:rPr lang="en-US" altLang="ja-JP" sz="2000" i="1" kern="100">
                             <a:effectLst/>
+                            <a:highlight>
+                              <a:srgbClr val="00FF00"/>
+                            </a:highlight>
                             <a:latin typeface="Cambria Math" panose="02040503050406030204" pitchFamily="18" charset="0"/>
                             <a:ea typeface="ＭＳ 明朝" panose="02020609040205080304" pitchFamily="17" charset="-128"/>
                             <a:cs typeface="Times New Roman" panose="02020603050405020304" pitchFamily="18" charset="0"/>
@@ -10514,8 +10574,11 @@
                     </m:sSub>
                   </m:oMath>
                 </a14:m>
-                <a:endParaRPr lang="ja-JP" altLang="ja-JP" sz="2400" kern="100" dirty="0">
+                <a:endParaRPr lang="ja-JP" altLang="ja-JP" sz="2000" kern="100" dirty="0">
                   <a:effectLst/>
+                  <a:highlight>
+                    <a:srgbClr val="00FF00"/>
+                  </a:highlight>
                   <a:ea typeface="ＭＳ 明朝" panose="02020609040205080304" pitchFamily="17" charset="-128"/>
                   <a:cs typeface="Times New Roman" panose="02020603050405020304" pitchFamily="18" charset="0"/>
                 </a:endParaRPr>
@@ -10969,7 +11032,7 @@
               <a:blipFill>
                 <a:blip r:embed="rId2"/>
                 <a:stretch>
-                  <a:fillRect l="-1397" t="-1921" r="-1497"/>
+                  <a:fillRect l="-1452" t="-1891" r="-1452"/>
                 </a:stretch>
               </a:blipFill>
             </p:spPr>
@@ -10978,7 +11041,7 @@
               <a:lstStyle/>
               <a:p>
                 <a:r>
-                  <a:rPr lang="ja-JP" altLang="en-US">
+                  <a:rPr lang="en-JP">
                     <a:noFill/>
                   </a:rPr>
                   <a:t> </a:t>
@@ -13236,8 +13299,8 @@
           </p:pic>
         </mc:Fallback>
       </mc:AlternateContent>
-      <mc:AlternateContent xmlns:mc="http://schemas.openxmlformats.org/markup-compatibility/2006">
-        <mc:Choice xmlns:p14="http://schemas.microsoft.com/office/powerpoint/2010/main" Requires="p14">
+      <mc:AlternateContent xmlns:mc="http://schemas.openxmlformats.org/markup-compatibility/2006" xmlns:p14="http://schemas.microsoft.com/office/powerpoint/2010/main">
+        <mc:Choice Requires="p14">
           <p:contentPart p14:bwMode="auto" r:id="rId27">
             <p14:nvContentPartPr>
               <p14:cNvPr id="12" name="Ink 11">
@@ -13256,7 +13319,7 @@
             </p14:xfrm>
           </p:contentPart>
         </mc:Choice>
-        <mc:Fallback>
+        <mc:Fallback xmlns="">
           <p:pic>
             <p:nvPicPr>
               <p:cNvPr id="12" name="Ink 11">
@@ -13287,8 +13350,8 @@
           </p:pic>
         </mc:Fallback>
       </mc:AlternateContent>
-      <mc:AlternateContent xmlns:mc="http://schemas.openxmlformats.org/markup-compatibility/2006">
-        <mc:Choice xmlns:p14="http://schemas.microsoft.com/office/powerpoint/2010/main" Requires="p14">
+      <mc:AlternateContent xmlns:mc="http://schemas.openxmlformats.org/markup-compatibility/2006" xmlns:p14="http://schemas.microsoft.com/office/powerpoint/2010/main">
+        <mc:Choice Requires="p14">
           <p:contentPart p14:bwMode="auto" r:id="rId29">
             <p14:nvContentPartPr>
               <p14:cNvPr id="13" name="Ink 12">
@@ -13307,7 +13370,7 @@
             </p14:xfrm>
           </p:contentPart>
         </mc:Choice>
-        <mc:Fallback>
+        <mc:Fallback xmlns="">
           <p:pic>
             <p:nvPicPr>
               <p:cNvPr id="13" name="Ink 12">
@@ -13338,8 +13401,8 @@
           </p:pic>
         </mc:Fallback>
       </mc:AlternateContent>
-      <mc:AlternateContent xmlns:mc="http://schemas.openxmlformats.org/markup-compatibility/2006">
-        <mc:Choice xmlns:p14="http://schemas.microsoft.com/office/powerpoint/2010/main" Requires="p14">
+      <mc:AlternateContent xmlns:mc="http://schemas.openxmlformats.org/markup-compatibility/2006" xmlns:p14="http://schemas.microsoft.com/office/powerpoint/2010/main">
+        <mc:Choice Requires="p14">
           <p:contentPart p14:bwMode="auto" r:id="rId31">
             <p14:nvContentPartPr>
               <p14:cNvPr id="15" name="Ink 14">
@@ -13358,7 +13421,7 @@
             </p14:xfrm>
           </p:contentPart>
         </mc:Choice>
-        <mc:Fallback>
+        <mc:Fallback xmlns="">
           <p:pic>
             <p:nvPicPr>
               <p:cNvPr id="15" name="Ink 14">
@@ -13907,8 +13970,8 @@
             <a:chExt cx="1670400" cy="2929680"/>
           </a:xfrm>
         </p:grpSpPr>
-        <mc:AlternateContent xmlns:mc="http://schemas.openxmlformats.org/markup-compatibility/2006">
-          <mc:Choice xmlns:p14="http://schemas.microsoft.com/office/powerpoint/2010/main" Requires="p14">
+        <mc:AlternateContent xmlns:mc="http://schemas.openxmlformats.org/markup-compatibility/2006" xmlns:p14="http://schemas.microsoft.com/office/powerpoint/2010/main">
+          <mc:Choice Requires="p14">
             <p:contentPart p14:bwMode="auto" r:id="rId3">
               <p14:nvContentPartPr>
                 <p14:cNvPr id="5" name="Ink 4">
@@ -13927,7 +13990,7 @@
               </p14:xfrm>
             </p:contentPart>
           </mc:Choice>
-          <mc:Fallback>
+          <mc:Fallback xmlns="">
             <p:pic>
               <p:nvPicPr>
                 <p:cNvPr id="5" name="Ink 4">
@@ -13958,8 +14021,8 @@
             </p:pic>
           </mc:Fallback>
         </mc:AlternateContent>
-        <mc:AlternateContent xmlns:mc="http://schemas.openxmlformats.org/markup-compatibility/2006">
-          <mc:Choice xmlns:p14="http://schemas.microsoft.com/office/powerpoint/2010/main" Requires="p14">
+        <mc:AlternateContent xmlns:mc="http://schemas.openxmlformats.org/markup-compatibility/2006" xmlns:p14="http://schemas.microsoft.com/office/powerpoint/2010/main">
+          <mc:Choice Requires="p14">
             <p:contentPart p14:bwMode="auto" r:id="rId5">
               <p14:nvContentPartPr>
                 <p14:cNvPr id="8" name="Ink 7">
@@ -13978,7 +14041,7 @@
               </p14:xfrm>
             </p:contentPart>
           </mc:Choice>
-          <mc:Fallback>
+          <mc:Fallback xmlns="">
             <p:pic>
               <p:nvPicPr>
                 <p:cNvPr id="8" name="Ink 7">
@@ -14009,8 +14072,8 @@
             </p:pic>
           </mc:Fallback>
         </mc:AlternateContent>
-        <mc:AlternateContent xmlns:mc="http://schemas.openxmlformats.org/markup-compatibility/2006">
-          <mc:Choice xmlns:p14="http://schemas.microsoft.com/office/powerpoint/2010/main" Requires="p14">
+        <mc:AlternateContent xmlns:mc="http://schemas.openxmlformats.org/markup-compatibility/2006" xmlns:p14="http://schemas.microsoft.com/office/powerpoint/2010/main">
+          <mc:Choice Requires="p14">
             <p:contentPart p14:bwMode="auto" r:id="rId7">
               <p14:nvContentPartPr>
                 <p14:cNvPr id="11" name="Ink 10">
@@ -14029,7 +14092,7 @@
               </p14:xfrm>
             </p:contentPart>
           </mc:Choice>
-          <mc:Fallback>
+          <mc:Fallback xmlns="">
             <p:pic>
               <p:nvPicPr>
                 <p:cNvPr id="11" name="Ink 10">
@@ -14060,8 +14123,8 @@
             </p:pic>
           </mc:Fallback>
         </mc:AlternateContent>
-        <mc:AlternateContent xmlns:mc="http://schemas.openxmlformats.org/markup-compatibility/2006">
-          <mc:Choice xmlns:p14="http://schemas.microsoft.com/office/powerpoint/2010/main" Requires="p14">
+        <mc:AlternateContent xmlns:mc="http://schemas.openxmlformats.org/markup-compatibility/2006" xmlns:p14="http://schemas.microsoft.com/office/powerpoint/2010/main">
+          <mc:Choice Requires="p14">
             <p:contentPart p14:bwMode="auto" r:id="rId9">
               <p14:nvContentPartPr>
                 <p14:cNvPr id="12" name="Ink 11">
@@ -14080,7 +14143,7 @@
               </p14:xfrm>
             </p:contentPart>
           </mc:Choice>
-          <mc:Fallback>
+          <mc:Fallback xmlns="">
             <p:pic>
               <p:nvPicPr>
                 <p:cNvPr id="12" name="Ink 11">
@@ -14112,8 +14175,8 @@
           </mc:Fallback>
         </mc:AlternateContent>
       </p:grpSp>
-      <mc:AlternateContent xmlns:mc="http://schemas.openxmlformats.org/markup-compatibility/2006">
-        <mc:Choice xmlns:p14="http://schemas.microsoft.com/office/powerpoint/2010/main" Requires="p14">
+      <mc:AlternateContent xmlns:mc="http://schemas.openxmlformats.org/markup-compatibility/2006" xmlns:p14="http://schemas.microsoft.com/office/powerpoint/2010/main">
+        <mc:Choice Requires="p14">
           <p:contentPart p14:bwMode="auto" r:id="rId11">
             <p14:nvContentPartPr>
               <p14:cNvPr id="15" name="Ink 14">
@@ -14132,7 +14195,7 @@
             </p14:xfrm>
           </p:contentPart>
         </mc:Choice>
-        <mc:Fallback>
+        <mc:Fallback xmlns="">
           <p:pic>
             <p:nvPicPr>
               <p:cNvPr id="15" name="Ink 14">
@@ -14956,8 +15019,8 @@
           </a:graphicData>
         </a:graphic>
       </p:graphicFrame>
-      <mc:AlternateContent xmlns:mc="http://schemas.openxmlformats.org/markup-compatibility/2006">
-        <mc:Choice xmlns:p14="http://schemas.microsoft.com/office/powerpoint/2010/main" Requires="p14">
+      <mc:AlternateContent xmlns:mc="http://schemas.openxmlformats.org/markup-compatibility/2006" xmlns:p14="http://schemas.microsoft.com/office/powerpoint/2010/main">
+        <mc:Choice Requires="p14">
           <p:contentPart p14:bwMode="auto" r:id="rId4">
             <p14:nvContentPartPr>
               <p14:cNvPr id="2" name="Ink 1">
@@ -14976,7 +15039,7 @@
             </p14:xfrm>
           </p:contentPart>
         </mc:Choice>
-        <mc:Fallback>
+        <mc:Fallback xmlns="">
           <p:pic>
             <p:nvPicPr>
               <p:cNvPr id="2" name="Ink 1">
@@ -15007,8 +15070,8 @@
           </p:pic>
         </mc:Fallback>
       </mc:AlternateContent>
-      <mc:AlternateContent xmlns:mc="http://schemas.openxmlformats.org/markup-compatibility/2006">
-        <mc:Choice xmlns:p14="http://schemas.microsoft.com/office/powerpoint/2010/main" Requires="p14">
+      <mc:AlternateContent xmlns:mc="http://schemas.openxmlformats.org/markup-compatibility/2006" xmlns:p14="http://schemas.microsoft.com/office/powerpoint/2010/main">
+        <mc:Choice Requires="p14">
           <p:contentPart p14:bwMode="auto" r:id="rId6">
             <p14:nvContentPartPr>
               <p14:cNvPr id="3" name="Ink 2">
@@ -15027,7 +15090,7 @@
             </p14:xfrm>
           </p:contentPart>
         </mc:Choice>
-        <mc:Fallback>
+        <mc:Fallback xmlns="">
           <p:pic>
             <p:nvPicPr>
               <p:cNvPr id="3" name="Ink 2">
@@ -15113,8 +15176,8 @@
             <a:chExt cx="1900440" cy="4599000"/>
           </a:xfrm>
         </p:grpSpPr>
-        <mc:AlternateContent xmlns:mc="http://schemas.openxmlformats.org/markup-compatibility/2006">
-          <mc:Choice xmlns:p14="http://schemas.microsoft.com/office/powerpoint/2010/main" Requires="p14">
+        <mc:AlternateContent xmlns:mc="http://schemas.openxmlformats.org/markup-compatibility/2006" xmlns:p14="http://schemas.microsoft.com/office/powerpoint/2010/main">
+          <mc:Choice Requires="p14">
             <p:contentPart p14:bwMode="auto" r:id="rId8">
               <p14:nvContentPartPr>
                 <p14:cNvPr id="5" name="Ink 4">
@@ -15133,7 +15196,7 @@
               </p14:xfrm>
             </p:contentPart>
           </mc:Choice>
-          <mc:Fallback>
+          <mc:Fallback xmlns="">
             <p:pic>
               <p:nvPicPr>
                 <p:cNvPr id="5" name="Ink 4">
@@ -15164,8 +15227,8 @@
             </p:pic>
           </mc:Fallback>
         </mc:AlternateContent>
-        <mc:AlternateContent xmlns:mc="http://schemas.openxmlformats.org/markup-compatibility/2006">
-          <mc:Choice xmlns:p14="http://schemas.microsoft.com/office/powerpoint/2010/main" Requires="p14">
+        <mc:AlternateContent xmlns:mc="http://schemas.openxmlformats.org/markup-compatibility/2006" xmlns:p14="http://schemas.microsoft.com/office/powerpoint/2010/main">
+          <mc:Choice Requires="p14">
             <p:contentPart p14:bwMode="auto" r:id="rId10">
               <p14:nvContentPartPr>
                 <p14:cNvPr id="9" name="Ink 8">
@@ -15184,7 +15247,7 @@
               </p14:xfrm>
             </p:contentPart>
           </mc:Choice>
-          <mc:Fallback>
+          <mc:Fallback xmlns="">
             <p:pic>
               <p:nvPicPr>
                 <p:cNvPr id="9" name="Ink 8">
@@ -15215,8 +15278,8 @@
             </p:pic>
           </mc:Fallback>
         </mc:AlternateContent>
-        <mc:AlternateContent xmlns:mc="http://schemas.openxmlformats.org/markup-compatibility/2006">
-          <mc:Choice xmlns:p14="http://schemas.microsoft.com/office/powerpoint/2010/main" Requires="p14">
+        <mc:AlternateContent xmlns:mc="http://schemas.openxmlformats.org/markup-compatibility/2006" xmlns:p14="http://schemas.microsoft.com/office/powerpoint/2010/main">
+          <mc:Choice Requires="p14">
             <p:contentPart p14:bwMode="auto" r:id="rId12">
               <p14:nvContentPartPr>
                 <p14:cNvPr id="10" name="Ink 9">
@@ -15235,7 +15298,7 @@
               </p14:xfrm>
             </p:contentPart>
           </mc:Choice>
-          <mc:Fallback>
+          <mc:Fallback xmlns="">
             <p:pic>
               <p:nvPicPr>
                 <p:cNvPr id="10" name="Ink 9">
@@ -15266,8 +15329,8 @@
             </p:pic>
           </mc:Fallback>
         </mc:AlternateContent>
-        <mc:AlternateContent xmlns:mc="http://schemas.openxmlformats.org/markup-compatibility/2006">
-          <mc:Choice xmlns:p14="http://schemas.microsoft.com/office/powerpoint/2010/main" Requires="p14">
+        <mc:AlternateContent xmlns:mc="http://schemas.openxmlformats.org/markup-compatibility/2006" xmlns:p14="http://schemas.microsoft.com/office/powerpoint/2010/main">
+          <mc:Choice Requires="p14">
             <p:contentPart p14:bwMode="auto" r:id="rId14">
               <p14:nvContentPartPr>
                 <p14:cNvPr id="15" name="Ink 14">
@@ -15286,7 +15349,7 @@
               </p14:xfrm>
             </p:contentPart>
           </mc:Choice>
-          <mc:Fallback>
+          <mc:Fallback xmlns="">
             <p:pic>
               <p:nvPicPr>
                 <p:cNvPr id="15" name="Ink 14">
@@ -15317,8 +15380,8 @@
             </p:pic>
           </mc:Fallback>
         </mc:AlternateContent>
-        <mc:AlternateContent xmlns:mc="http://schemas.openxmlformats.org/markup-compatibility/2006">
-          <mc:Choice xmlns:p14="http://schemas.microsoft.com/office/powerpoint/2010/main" Requires="p14">
+        <mc:AlternateContent xmlns:mc="http://schemas.openxmlformats.org/markup-compatibility/2006" xmlns:p14="http://schemas.microsoft.com/office/powerpoint/2010/main">
+          <mc:Choice Requires="p14">
             <p:contentPart p14:bwMode="auto" r:id="rId16">
               <p14:nvContentPartPr>
                 <p14:cNvPr id="16" name="Ink 15">
@@ -15337,7 +15400,7 @@
               </p14:xfrm>
             </p:contentPart>
           </mc:Choice>
-          <mc:Fallback>
+          <mc:Fallback xmlns="">
             <p:pic>
               <p:nvPicPr>
                 <p:cNvPr id="16" name="Ink 15">
@@ -15368,8 +15431,8 @@
             </p:pic>
           </mc:Fallback>
         </mc:AlternateContent>
-        <mc:AlternateContent xmlns:mc="http://schemas.openxmlformats.org/markup-compatibility/2006">
-          <mc:Choice xmlns:p14="http://schemas.microsoft.com/office/powerpoint/2010/main" Requires="p14">
+        <mc:AlternateContent xmlns:mc="http://schemas.openxmlformats.org/markup-compatibility/2006" xmlns:p14="http://schemas.microsoft.com/office/powerpoint/2010/main">
+          <mc:Choice Requires="p14">
             <p:contentPart p14:bwMode="auto" r:id="rId18">
               <p14:nvContentPartPr>
                 <p14:cNvPr id="18" name="Ink 17">
@@ -15388,7 +15451,7 @@
               </p14:xfrm>
             </p:contentPart>
           </mc:Choice>
-          <mc:Fallback>
+          <mc:Fallback xmlns="">
             <p:pic>
               <p:nvPicPr>
                 <p:cNvPr id="18" name="Ink 17">
@@ -15461,8 +15524,8 @@
           </a:p>
         </p:txBody>
       </p:sp>
-      <mc:AlternateContent xmlns:mc="http://schemas.openxmlformats.org/markup-compatibility/2006">
-        <mc:Choice xmlns:p14="http://schemas.microsoft.com/office/powerpoint/2010/main" Requires="p14">
+      <mc:AlternateContent xmlns:mc="http://schemas.openxmlformats.org/markup-compatibility/2006" xmlns:p14="http://schemas.microsoft.com/office/powerpoint/2010/main">
+        <mc:Choice Requires="p14">
           <p:contentPart p14:bwMode="auto" r:id="rId20">
             <p14:nvContentPartPr>
               <p14:cNvPr id="21" name="Ink 20">
@@ -15481,7 +15544,7 @@
             </p14:xfrm>
           </p:contentPart>
         </mc:Choice>
-        <mc:Fallback>
+        <mc:Fallback xmlns="">
           <p:pic>
             <p:nvPicPr>
               <p:cNvPr id="21" name="Ink 20">
@@ -15512,8 +15575,8 @@
           </p:pic>
         </mc:Fallback>
       </mc:AlternateContent>
-      <mc:AlternateContent xmlns:mc="http://schemas.openxmlformats.org/markup-compatibility/2006">
-        <mc:Choice xmlns:p14="http://schemas.microsoft.com/office/powerpoint/2010/main" Requires="p14">
+      <mc:AlternateContent xmlns:mc="http://schemas.openxmlformats.org/markup-compatibility/2006" xmlns:p14="http://schemas.microsoft.com/office/powerpoint/2010/main">
+        <mc:Choice Requires="p14">
           <p:contentPart p14:bwMode="auto" r:id="rId22">
             <p14:nvContentPartPr>
               <p14:cNvPr id="22" name="Ink 21">
@@ -15532,7 +15595,7 @@
             </p14:xfrm>
           </p:contentPart>
         </mc:Choice>
-        <mc:Fallback>
+        <mc:Fallback xmlns="">
           <p:pic>
             <p:nvPicPr>
               <p:cNvPr id="22" name="Ink 21">
@@ -15563,8 +15626,8 @@
           </p:pic>
         </mc:Fallback>
       </mc:AlternateContent>
-      <mc:AlternateContent xmlns:mc="http://schemas.openxmlformats.org/markup-compatibility/2006">
-        <mc:Choice xmlns:p14="http://schemas.microsoft.com/office/powerpoint/2010/main" Requires="p14">
+      <mc:AlternateContent xmlns:mc="http://schemas.openxmlformats.org/markup-compatibility/2006" xmlns:p14="http://schemas.microsoft.com/office/powerpoint/2010/main">
+        <mc:Choice Requires="p14">
           <p:contentPart p14:bwMode="auto" r:id="rId24">
             <p14:nvContentPartPr>
               <p14:cNvPr id="23" name="Ink 22">
@@ -15583,7 +15646,7 @@
             </p14:xfrm>
           </p:contentPart>
         </mc:Choice>
-        <mc:Fallback>
+        <mc:Fallback xmlns="">
           <p:pic>
             <p:nvPicPr>
               <p:cNvPr id="23" name="Ink 22">
@@ -15614,8 +15677,8 @@
           </p:pic>
         </mc:Fallback>
       </mc:AlternateContent>
-      <mc:AlternateContent xmlns:mc="http://schemas.openxmlformats.org/markup-compatibility/2006">
-        <mc:Choice xmlns:p14="http://schemas.microsoft.com/office/powerpoint/2010/main" Requires="p14">
+      <mc:AlternateContent xmlns:mc="http://schemas.openxmlformats.org/markup-compatibility/2006" xmlns:p14="http://schemas.microsoft.com/office/powerpoint/2010/main">
+        <mc:Choice Requires="p14">
           <p:contentPart p14:bwMode="auto" r:id="rId26">
             <p14:nvContentPartPr>
               <p14:cNvPr id="24" name="Ink 23">
@@ -15634,7 +15697,7 @@
             </p14:xfrm>
           </p:contentPart>
         </mc:Choice>
-        <mc:Fallback>
+        <mc:Fallback xmlns="">
           <p:pic>
             <p:nvPicPr>
               <p:cNvPr id="24" name="Ink 23">
@@ -15665,8 +15728,8 @@
           </p:pic>
         </mc:Fallback>
       </mc:AlternateContent>
-      <mc:AlternateContent xmlns:mc="http://schemas.openxmlformats.org/markup-compatibility/2006">
-        <mc:Choice xmlns:p14="http://schemas.microsoft.com/office/powerpoint/2010/main" Requires="p14">
+      <mc:AlternateContent xmlns:mc="http://schemas.openxmlformats.org/markup-compatibility/2006" xmlns:p14="http://schemas.microsoft.com/office/powerpoint/2010/main">
+        <mc:Choice Requires="p14">
           <p:contentPart p14:bwMode="auto" r:id="rId28">
             <p14:nvContentPartPr>
               <p14:cNvPr id="25" name="Ink 24">
@@ -15685,7 +15748,7 @@
             </p14:xfrm>
           </p:contentPart>
         </mc:Choice>
-        <mc:Fallback>
+        <mc:Fallback xmlns="">
           <p:pic>
             <p:nvPicPr>
               <p:cNvPr id="25" name="Ink 24">
@@ -15716,8 +15779,8 @@
           </p:pic>
         </mc:Fallback>
       </mc:AlternateContent>
-      <mc:AlternateContent xmlns:mc="http://schemas.openxmlformats.org/markup-compatibility/2006">
-        <mc:Choice xmlns:p14="http://schemas.microsoft.com/office/powerpoint/2010/main" Requires="p14">
+      <mc:AlternateContent xmlns:mc="http://schemas.openxmlformats.org/markup-compatibility/2006" xmlns:p14="http://schemas.microsoft.com/office/powerpoint/2010/main">
+        <mc:Choice Requires="p14">
           <p:contentPart p14:bwMode="auto" r:id="rId30">
             <p14:nvContentPartPr>
               <p14:cNvPr id="26" name="Ink 25">
@@ -15736,7 +15799,7 @@
             </p14:xfrm>
           </p:contentPart>
         </mc:Choice>
-        <mc:Fallback>
+        <mc:Fallback xmlns="">
           <p:pic>
             <p:nvPicPr>
               <p:cNvPr id="26" name="Ink 25">
@@ -15767,8 +15830,8 @@
           </p:pic>
         </mc:Fallback>
       </mc:AlternateContent>
-      <mc:AlternateContent xmlns:mc="http://schemas.openxmlformats.org/markup-compatibility/2006">
-        <mc:Choice xmlns:p14="http://schemas.microsoft.com/office/powerpoint/2010/main" Requires="p14">
+      <mc:AlternateContent xmlns:mc="http://schemas.openxmlformats.org/markup-compatibility/2006" xmlns:p14="http://schemas.microsoft.com/office/powerpoint/2010/main">
+        <mc:Choice Requires="p14">
           <p:contentPart p14:bwMode="auto" r:id="rId32">
             <p14:nvContentPartPr>
               <p14:cNvPr id="27" name="Ink 26">
@@ -15787,7 +15850,7 @@
             </p14:xfrm>
           </p:contentPart>
         </mc:Choice>
-        <mc:Fallback>
+        <mc:Fallback xmlns="">
           <p:pic>
             <p:nvPicPr>
               <p:cNvPr id="27" name="Ink 26">
@@ -15818,8 +15881,8 @@
           </p:pic>
         </mc:Fallback>
       </mc:AlternateContent>
-      <mc:AlternateContent xmlns:mc="http://schemas.openxmlformats.org/markup-compatibility/2006">
-        <mc:Choice xmlns:p14="http://schemas.microsoft.com/office/powerpoint/2010/main" Requires="p14">
+      <mc:AlternateContent xmlns:mc="http://schemas.openxmlformats.org/markup-compatibility/2006" xmlns:p14="http://schemas.microsoft.com/office/powerpoint/2010/main">
+        <mc:Choice Requires="p14">
           <p:contentPart p14:bwMode="auto" r:id="rId34">
             <p14:nvContentPartPr>
               <p14:cNvPr id="28" name="Ink 27">
@@ -15838,7 +15901,7 @@
             </p14:xfrm>
           </p:contentPart>
         </mc:Choice>
-        <mc:Fallback>
+        <mc:Fallback xmlns="">
           <p:pic>
             <p:nvPicPr>
               <p:cNvPr id="28" name="Ink 27">
@@ -15869,8 +15932,8 @@
           </p:pic>
         </mc:Fallback>
       </mc:AlternateContent>
-      <mc:AlternateContent xmlns:mc="http://schemas.openxmlformats.org/markup-compatibility/2006">
-        <mc:Choice xmlns:p14="http://schemas.microsoft.com/office/powerpoint/2010/main" Requires="p14">
+      <mc:AlternateContent xmlns:mc="http://schemas.openxmlformats.org/markup-compatibility/2006" xmlns:p14="http://schemas.microsoft.com/office/powerpoint/2010/main">
+        <mc:Choice Requires="p14">
           <p:contentPart p14:bwMode="auto" r:id="rId36">
             <p14:nvContentPartPr>
               <p14:cNvPr id="29" name="Ink 28">
@@ -15889,7 +15952,7 @@
             </p14:xfrm>
           </p:contentPart>
         </mc:Choice>
-        <mc:Fallback>
+        <mc:Fallback xmlns="">
           <p:pic>
             <p:nvPicPr>
               <p:cNvPr id="29" name="Ink 28">
@@ -17163,8 +17226,8 @@
           </p:sp>
         </mc:Fallback>
       </mc:AlternateContent>
-      <mc:AlternateContent xmlns:mc="http://schemas.openxmlformats.org/markup-compatibility/2006">
-        <mc:Choice xmlns:p14="http://schemas.microsoft.com/office/powerpoint/2010/main" Requires="p14">
+      <mc:AlternateContent xmlns:mc="http://schemas.openxmlformats.org/markup-compatibility/2006" xmlns:p14="http://schemas.microsoft.com/office/powerpoint/2010/main">
+        <mc:Choice Requires="p14">
           <p:contentPart p14:bwMode="auto" r:id="rId9">
             <p14:nvContentPartPr>
               <p14:cNvPr id="2" name="Ink 1">
@@ -17183,7 +17246,7 @@
             </p14:xfrm>
           </p:contentPart>
         </mc:Choice>
-        <mc:Fallback>
+        <mc:Fallback xmlns="">
           <p:pic>
             <p:nvPicPr>
               <p:cNvPr id="2" name="Ink 1">
@@ -17214,8 +17277,8 @@
           </p:pic>
         </mc:Fallback>
       </mc:AlternateContent>
-      <mc:AlternateContent xmlns:mc="http://schemas.openxmlformats.org/markup-compatibility/2006">
-        <mc:Choice xmlns:p14="http://schemas.microsoft.com/office/powerpoint/2010/main" Requires="p14">
+      <mc:AlternateContent xmlns:mc="http://schemas.openxmlformats.org/markup-compatibility/2006" xmlns:p14="http://schemas.microsoft.com/office/powerpoint/2010/main">
+        <mc:Choice Requires="p14">
           <p:contentPart p14:bwMode="auto" r:id="rId11">
             <p14:nvContentPartPr>
               <p14:cNvPr id="3" name="Ink 2">
@@ -17234,7 +17297,7 @@
             </p14:xfrm>
           </p:contentPart>
         </mc:Choice>
-        <mc:Fallback>
+        <mc:Fallback xmlns="">
           <p:pic>
             <p:nvPicPr>
               <p:cNvPr id="3" name="Ink 2">
@@ -17265,8 +17328,8 @@
           </p:pic>
         </mc:Fallback>
       </mc:AlternateContent>
-      <mc:AlternateContent xmlns:mc="http://schemas.openxmlformats.org/markup-compatibility/2006">
-        <mc:Choice xmlns:p14="http://schemas.microsoft.com/office/powerpoint/2010/main" Requires="p14">
+      <mc:AlternateContent xmlns:mc="http://schemas.openxmlformats.org/markup-compatibility/2006" xmlns:p14="http://schemas.microsoft.com/office/powerpoint/2010/main">
+        <mc:Choice Requires="p14">
           <p:contentPart p14:bwMode="auto" r:id="rId13">
             <p14:nvContentPartPr>
               <p14:cNvPr id="11" name="Ink 10">
@@ -17285,7 +17348,7 @@
             </p14:xfrm>
           </p:contentPart>
         </mc:Choice>
-        <mc:Fallback>
+        <mc:Fallback xmlns="">
           <p:pic>
             <p:nvPicPr>
               <p:cNvPr id="11" name="Ink 10">
@@ -17316,8 +17379,8 @@
           </p:pic>
         </mc:Fallback>
       </mc:AlternateContent>
-      <mc:AlternateContent xmlns:mc="http://schemas.openxmlformats.org/markup-compatibility/2006">
-        <mc:Choice xmlns:p14="http://schemas.microsoft.com/office/powerpoint/2010/main" Requires="p14">
+      <mc:AlternateContent xmlns:mc="http://schemas.openxmlformats.org/markup-compatibility/2006" xmlns:p14="http://schemas.microsoft.com/office/powerpoint/2010/main">
+        <mc:Choice Requires="p14">
           <p:contentPart p14:bwMode="auto" r:id="rId15">
             <p14:nvContentPartPr>
               <p14:cNvPr id="12" name="Ink 11">
@@ -17336,7 +17399,7 @@
             </p14:xfrm>
           </p:contentPart>
         </mc:Choice>
-        <mc:Fallback>
+        <mc:Fallback xmlns="">
           <p:pic>
             <p:nvPicPr>
               <p:cNvPr id="12" name="Ink 11">
@@ -17367,8 +17430,8 @@
           </p:pic>
         </mc:Fallback>
       </mc:AlternateContent>
-      <mc:AlternateContent xmlns:mc="http://schemas.openxmlformats.org/markup-compatibility/2006">
-        <mc:Choice xmlns:p14="http://schemas.microsoft.com/office/powerpoint/2010/main" Requires="p14">
+      <mc:AlternateContent xmlns:mc="http://schemas.openxmlformats.org/markup-compatibility/2006" xmlns:p14="http://schemas.microsoft.com/office/powerpoint/2010/main">
+        <mc:Choice Requires="p14">
           <p:contentPart p14:bwMode="auto" r:id="rId17">
             <p14:nvContentPartPr>
               <p14:cNvPr id="13" name="Ink 12">
@@ -17387,7 +17450,7 @@
             </p14:xfrm>
           </p:contentPart>
         </mc:Choice>
-        <mc:Fallback>
+        <mc:Fallback xmlns="">
           <p:pic>
             <p:nvPicPr>
               <p:cNvPr id="13" name="Ink 12">
@@ -17418,8 +17481,8 @@
           </p:pic>
         </mc:Fallback>
       </mc:AlternateContent>
-      <mc:AlternateContent xmlns:mc="http://schemas.openxmlformats.org/markup-compatibility/2006">
-        <mc:Choice xmlns:p14="http://schemas.microsoft.com/office/powerpoint/2010/main" Requires="p14">
+      <mc:AlternateContent xmlns:mc="http://schemas.openxmlformats.org/markup-compatibility/2006" xmlns:p14="http://schemas.microsoft.com/office/powerpoint/2010/main">
+        <mc:Choice Requires="p14">
           <p:contentPart p14:bwMode="auto" r:id="rId19">
             <p14:nvContentPartPr>
               <p14:cNvPr id="14" name="Ink 13">
@@ -17438,7 +17501,7 @@
             </p14:xfrm>
           </p:contentPart>
         </mc:Choice>
-        <mc:Fallback>
+        <mc:Fallback xmlns="">
           <p:pic>
             <p:nvPicPr>
               <p:cNvPr id="14" name="Ink 13">
@@ -17469,8 +17532,8 @@
           </p:pic>
         </mc:Fallback>
       </mc:AlternateContent>
-      <mc:AlternateContent xmlns:mc="http://schemas.openxmlformats.org/markup-compatibility/2006">
-        <mc:Choice xmlns:p14="http://schemas.microsoft.com/office/powerpoint/2010/main" Requires="p14">
+      <mc:AlternateContent xmlns:mc="http://schemas.openxmlformats.org/markup-compatibility/2006" xmlns:p14="http://schemas.microsoft.com/office/powerpoint/2010/main">
+        <mc:Choice Requires="p14">
           <p:contentPart p14:bwMode="auto" r:id="rId21">
             <p14:nvContentPartPr>
               <p14:cNvPr id="15" name="Ink 14">
@@ -17489,7 +17552,7 @@
             </p14:xfrm>
           </p:contentPart>
         </mc:Choice>
-        <mc:Fallback>
+        <mc:Fallback xmlns="">
           <p:pic>
             <p:nvPicPr>
               <p:cNvPr id="15" name="Ink 14">
@@ -17520,8 +17583,8 @@
           </p:pic>
         </mc:Fallback>
       </mc:AlternateContent>
-      <mc:AlternateContent xmlns:mc="http://schemas.openxmlformats.org/markup-compatibility/2006">
-        <mc:Choice xmlns:p14="http://schemas.microsoft.com/office/powerpoint/2010/main" Requires="p14">
+      <mc:AlternateContent xmlns:mc="http://schemas.openxmlformats.org/markup-compatibility/2006" xmlns:p14="http://schemas.microsoft.com/office/powerpoint/2010/main">
+        <mc:Choice Requires="p14">
           <p:contentPart p14:bwMode="auto" r:id="rId23">
             <p14:nvContentPartPr>
               <p14:cNvPr id="16" name="Ink 15">
@@ -17540,7 +17603,7 @@
             </p14:xfrm>
           </p:contentPart>
         </mc:Choice>
-        <mc:Fallback>
+        <mc:Fallback xmlns="">
           <p:pic>
             <p:nvPicPr>
               <p:cNvPr id="16" name="Ink 15">
@@ -17571,8 +17634,8 @@
           </p:pic>
         </mc:Fallback>
       </mc:AlternateContent>
-      <mc:AlternateContent xmlns:mc="http://schemas.openxmlformats.org/markup-compatibility/2006">
-        <mc:Choice xmlns:p14="http://schemas.microsoft.com/office/powerpoint/2010/main" Requires="p14">
+      <mc:AlternateContent xmlns:mc="http://schemas.openxmlformats.org/markup-compatibility/2006" xmlns:p14="http://schemas.microsoft.com/office/powerpoint/2010/main">
+        <mc:Choice Requires="p14">
           <p:contentPart p14:bwMode="auto" r:id="rId25">
             <p14:nvContentPartPr>
               <p14:cNvPr id="17" name="Ink 16">
@@ -17591,7 +17654,7 @@
             </p14:xfrm>
           </p:contentPart>
         </mc:Choice>
-        <mc:Fallback>
+        <mc:Fallback xmlns="">
           <p:pic>
             <p:nvPicPr>
               <p:cNvPr id="17" name="Ink 16">
@@ -17622,8 +17685,8 @@
           </p:pic>
         </mc:Fallback>
       </mc:AlternateContent>
-      <mc:AlternateContent xmlns:mc="http://schemas.openxmlformats.org/markup-compatibility/2006">
-        <mc:Choice xmlns:p14="http://schemas.microsoft.com/office/powerpoint/2010/main" Requires="p14">
+      <mc:AlternateContent xmlns:mc="http://schemas.openxmlformats.org/markup-compatibility/2006" xmlns:p14="http://schemas.microsoft.com/office/powerpoint/2010/main">
+        <mc:Choice Requires="p14">
           <p:contentPart p14:bwMode="auto" r:id="rId27">
             <p14:nvContentPartPr>
               <p14:cNvPr id="18" name="Ink 17">
@@ -17642,7 +17705,7 @@
             </p14:xfrm>
           </p:contentPart>
         </mc:Choice>
-        <mc:Fallback>
+        <mc:Fallback xmlns="">
           <p:pic>
             <p:nvPicPr>
               <p:cNvPr id="18" name="Ink 17">
@@ -17673,8 +17736,8 @@
           </p:pic>
         </mc:Fallback>
       </mc:AlternateContent>
-      <mc:AlternateContent xmlns:mc="http://schemas.openxmlformats.org/markup-compatibility/2006">
-        <mc:Choice xmlns:p14="http://schemas.microsoft.com/office/powerpoint/2010/main" Requires="p14">
+      <mc:AlternateContent xmlns:mc="http://schemas.openxmlformats.org/markup-compatibility/2006" xmlns:p14="http://schemas.microsoft.com/office/powerpoint/2010/main">
+        <mc:Choice Requires="p14">
           <p:contentPart p14:bwMode="auto" r:id="rId29">
             <p14:nvContentPartPr>
               <p14:cNvPr id="20" name="Ink 19">
@@ -17693,7 +17756,7 @@
             </p14:xfrm>
           </p:contentPart>
         </mc:Choice>
-        <mc:Fallback>
+        <mc:Fallback xmlns="">
           <p:pic>
             <p:nvPicPr>
               <p:cNvPr id="20" name="Ink 19">
@@ -18584,8 +18647,8 @@
           </a:p>
         </p:txBody>
       </p:sp>
-      <mc:AlternateContent xmlns:mc="http://schemas.openxmlformats.org/markup-compatibility/2006">
-        <mc:Choice xmlns:p14="http://schemas.microsoft.com/office/powerpoint/2010/main" Requires="p14">
+      <mc:AlternateContent xmlns:mc="http://schemas.openxmlformats.org/markup-compatibility/2006" xmlns:p14="http://schemas.microsoft.com/office/powerpoint/2010/main">
+        <mc:Choice Requires="p14">
           <p:contentPart p14:bwMode="auto" r:id="rId4">
             <p14:nvContentPartPr>
               <p14:cNvPr id="2" name="Ink 1">
@@ -18604,7 +18667,7 @@
             </p14:xfrm>
           </p:contentPart>
         </mc:Choice>
-        <mc:Fallback>
+        <mc:Fallback xmlns="">
           <p:pic>
             <p:nvPicPr>
               <p:cNvPr id="2" name="Ink 1">
@@ -18635,8 +18698,8 @@
           </p:pic>
         </mc:Fallback>
       </mc:AlternateContent>
-      <mc:AlternateContent xmlns:mc="http://schemas.openxmlformats.org/markup-compatibility/2006">
-        <mc:Choice xmlns:p14="http://schemas.microsoft.com/office/powerpoint/2010/main" Requires="p14">
+      <mc:AlternateContent xmlns:mc="http://schemas.openxmlformats.org/markup-compatibility/2006" xmlns:p14="http://schemas.microsoft.com/office/powerpoint/2010/main">
+        <mc:Choice Requires="p14">
           <p:contentPart p14:bwMode="auto" r:id="rId6">
             <p14:nvContentPartPr>
               <p14:cNvPr id="5" name="Ink 4">
@@ -18655,7 +18718,7 @@
             </p14:xfrm>
           </p:contentPart>
         </mc:Choice>
-        <mc:Fallback>
+        <mc:Fallback xmlns="">
           <p:pic>
             <p:nvPicPr>
               <p:cNvPr id="5" name="Ink 4">
@@ -18686,8 +18749,8 @@
           </p:pic>
         </mc:Fallback>
       </mc:AlternateContent>
-      <mc:AlternateContent xmlns:mc="http://schemas.openxmlformats.org/markup-compatibility/2006">
-        <mc:Choice xmlns:p14="http://schemas.microsoft.com/office/powerpoint/2010/main" Requires="p14">
+      <mc:AlternateContent xmlns:mc="http://schemas.openxmlformats.org/markup-compatibility/2006" xmlns:p14="http://schemas.microsoft.com/office/powerpoint/2010/main">
+        <mc:Choice Requires="p14">
           <p:contentPart p14:bwMode="auto" r:id="rId8">
             <p14:nvContentPartPr>
               <p14:cNvPr id="6" name="Ink 5">
@@ -18706,7 +18769,7 @@
             </p14:xfrm>
           </p:contentPart>
         </mc:Choice>
-        <mc:Fallback>
+        <mc:Fallback xmlns="">
           <p:pic>
             <p:nvPicPr>
               <p:cNvPr id="6" name="Ink 5">
@@ -18737,8 +18800,8 @@
           </p:pic>
         </mc:Fallback>
       </mc:AlternateContent>
-      <mc:AlternateContent xmlns:mc="http://schemas.openxmlformats.org/markup-compatibility/2006">
-        <mc:Choice xmlns:p14="http://schemas.microsoft.com/office/powerpoint/2010/main" Requires="p14">
+      <mc:AlternateContent xmlns:mc="http://schemas.openxmlformats.org/markup-compatibility/2006" xmlns:p14="http://schemas.microsoft.com/office/powerpoint/2010/main">
+        <mc:Choice Requires="p14">
           <p:contentPart p14:bwMode="auto" r:id="rId10">
             <p14:nvContentPartPr>
               <p14:cNvPr id="7" name="Ink 6">
@@ -18757,7 +18820,7 @@
             </p14:xfrm>
           </p:contentPart>
         </mc:Choice>
-        <mc:Fallback>
+        <mc:Fallback xmlns="">
           <p:pic>
             <p:nvPicPr>
               <p:cNvPr id="7" name="Ink 6">
@@ -18788,8 +18851,8 @@
           </p:pic>
         </mc:Fallback>
       </mc:AlternateContent>
-      <mc:AlternateContent xmlns:mc="http://schemas.openxmlformats.org/markup-compatibility/2006">
-        <mc:Choice xmlns:p14="http://schemas.microsoft.com/office/powerpoint/2010/main" Requires="p14">
+      <mc:AlternateContent xmlns:mc="http://schemas.openxmlformats.org/markup-compatibility/2006" xmlns:p14="http://schemas.microsoft.com/office/powerpoint/2010/main">
+        <mc:Choice Requires="p14">
           <p:contentPart p14:bwMode="auto" r:id="rId12">
             <p14:nvContentPartPr>
               <p14:cNvPr id="8" name="Ink 7">
@@ -18808,7 +18871,7 @@
             </p14:xfrm>
           </p:contentPart>
         </mc:Choice>
-        <mc:Fallback>
+        <mc:Fallback xmlns="">
           <p:pic>
             <p:nvPicPr>
               <p:cNvPr id="8" name="Ink 7">
@@ -18839,8 +18902,8 @@
           </p:pic>
         </mc:Fallback>
       </mc:AlternateContent>
-      <mc:AlternateContent xmlns:mc="http://schemas.openxmlformats.org/markup-compatibility/2006">
-        <mc:Choice xmlns:p14="http://schemas.microsoft.com/office/powerpoint/2010/main" Requires="p14">
+      <mc:AlternateContent xmlns:mc="http://schemas.openxmlformats.org/markup-compatibility/2006" xmlns:p14="http://schemas.microsoft.com/office/powerpoint/2010/main">
+        <mc:Choice Requires="p14">
           <p:contentPart p14:bwMode="auto" r:id="rId14">
             <p14:nvContentPartPr>
               <p14:cNvPr id="15" name="Ink 14">
@@ -18859,7 +18922,7 @@
             </p14:xfrm>
           </p:contentPart>
         </mc:Choice>
-        <mc:Fallback>
+        <mc:Fallback xmlns="">
           <p:pic>
             <p:nvPicPr>
               <p:cNvPr id="15" name="Ink 14">
@@ -18890,8 +18953,8 @@
           </p:pic>
         </mc:Fallback>
       </mc:AlternateContent>
-      <mc:AlternateContent xmlns:mc="http://schemas.openxmlformats.org/markup-compatibility/2006">
-        <mc:Choice xmlns:p14="http://schemas.microsoft.com/office/powerpoint/2010/main" Requires="p14">
+      <mc:AlternateContent xmlns:mc="http://schemas.openxmlformats.org/markup-compatibility/2006" xmlns:p14="http://schemas.microsoft.com/office/powerpoint/2010/main">
+        <mc:Choice Requires="p14">
           <p:contentPart p14:bwMode="auto" r:id="rId16">
             <p14:nvContentPartPr>
               <p14:cNvPr id="18" name="Ink 17">
@@ -18910,7 +18973,7 @@
             </p14:xfrm>
           </p:contentPart>
         </mc:Choice>
-        <mc:Fallback>
+        <mc:Fallback xmlns="">
           <p:pic>
             <p:nvPicPr>
               <p:cNvPr id="18" name="Ink 17">
@@ -18941,8 +19004,8 @@
           </p:pic>
         </mc:Fallback>
       </mc:AlternateContent>
-      <mc:AlternateContent xmlns:mc="http://schemas.openxmlformats.org/markup-compatibility/2006">
-        <mc:Choice xmlns:p14="http://schemas.microsoft.com/office/powerpoint/2010/main" Requires="p14">
+      <mc:AlternateContent xmlns:mc="http://schemas.openxmlformats.org/markup-compatibility/2006" xmlns:p14="http://schemas.microsoft.com/office/powerpoint/2010/main">
+        <mc:Choice Requires="p14">
           <p:contentPart p14:bwMode="auto" r:id="rId18">
             <p14:nvContentPartPr>
               <p14:cNvPr id="19" name="Ink 18">
@@ -18961,7 +19024,7 @@
             </p14:xfrm>
           </p:contentPart>
         </mc:Choice>
-        <mc:Fallback>
+        <mc:Fallback xmlns="">
           <p:pic>
             <p:nvPicPr>
               <p:cNvPr id="19" name="Ink 18">
@@ -18992,8 +19055,8 @@
           </p:pic>
         </mc:Fallback>
       </mc:AlternateContent>
-      <mc:AlternateContent xmlns:mc="http://schemas.openxmlformats.org/markup-compatibility/2006">
-        <mc:Choice xmlns:p14="http://schemas.microsoft.com/office/powerpoint/2010/main" Requires="p14">
+      <mc:AlternateContent xmlns:mc="http://schemas.openxmlformats.org/markup-compatibility/2006" xmlns:p14="http://schemas.microsoft.com/office/powerpoint/2010/main">
+        <mc:Choice Requires="p14">
           <p:contentPart p14:bwMode="auto" r:id="rId20">
             <p14:nvContentPartPr>
               <p14:cNvPr id="23" name="Ink 22">
@@ -19012,7 +19075,7 @@
             </p14:xfrm>
           </p:contentPart>
         </mc:Choice>
-        <mc:Fallback>
+        <mc:Fallback xmlns="">
           <p:pic>
             <p:nvPicPr>
               <p:cNvPr id="23" name="Ink 22">
@@ -19043,8 +19106,8 @@
           </p:pic>
         </mc:Fallback>
       </mc:AlternateContent>
-      <mc:AlternateContent xmlns:mc="http://schemas.openxmlformats.org/markup-compatibility/2006">
-        <mc:Choice xmlns:p14="http://schemas.microsoft.com/office/powerpoint/2010/main" Requires="p14">
+      <mc:AlternateContent xmlns:mc="http://schemas.openxmlformats.org/markup-compatibility/2006" xmlns:p14="http://schemas.microsoft.com/office/powerpoint/2010/main">
+        <mc:Choice Requires="p14">
           <p:contentPart p14:bwMode="auto" r:id="rId22">
             <p14:nvContentPartPr>
               <p14:cNvPr id="32" name="Ink 31">
@@ -19063,7 +19126,7 @@
             </p14:xfrm>
           </p:contentPart>
         </mc:Choice>
-        <mc:Fallback>
+        <mc:Fallback xmlns="">
           <p:pic>
             <p:nvPicPr>
               <p:cNvPr id="32" name="Ink 31">
@@ -19094,8 +19157,8 @@
           </p:pic>
         </mc:Fallback>
       </mc:AlternateContent>
-      <mc:AlternateContent xmlns:mc="http://schemas.openxmlformats.org/markup-compatibility/2006">
-        <mc:Choice xmlns:p14="http://schemas.microsoft.com/office/powerpoint/2010/main" Requires="p14">
+      <mc:AlternateContent xmlns:mc="http://schemas.openxmlformats.org/markup-compatibility/2006" xmlns:p14="http://schemas.microsoft.com/office/powerpoint/2010/main">
+        <mc:Choice Requires="p14">
           <p:contentPart p14:bwMode="auto" r:id="rId24">
             <p14:nvContentPartPr>
               <p14:cNvPr id="33" name="Ink 32">
@@ -19114,7 +19177,7 @@
             </p14:xfrm>
           </p:contentPart>
         </mc:Choice>
-        <mc:Fallback>
+        <mc:Fallback xmlns="">
           <p:pic>
             <p:nvPicPr>
               <p:cNvPr id="33" name="Ink 32">
@@ -19145,8 +19208,8 @@
           </p:pic>
         </mc:Fallback>
       </mc:AlternateContent>
-      <mc:AlternateContent xmlns:mc="http://schemas.openxmlformats.org/markup-compatibility/2006">
-        <mc:Choice xmlns:p14="http://schemas.microsoft.com/office/powerpoint/2010/main" Requires="p14">
+      <mc:AlternateContent xmlns:mc="http://schemas.openxmlformats.org/markup-compatibility/2006" xmlns:p14="http://schemas.microsoft.com/office/powerpoint/2010/main">
+        <mc:Choice Requires="p14">
           <p:contentPart p14:bwMode="auto" r:id="rId26">
             <p14:nvContentPartPr>
               <p14:cNvPr id="34" name="Ink 33">
@@ -19165,7 +19228,7 @@
             </p14:xfrm>
           </p:contentPart>
         </mc:Choice>
-        <mc:Fallback>
+        <mc:Fallback xmlns="">
           <p:pic>
             <p:nvPicPr>
               <p:cNvPr id="34" name="Ink 33">
@@ -19196,8 +19259,8 @@
           </p:pic>
         </mc:Fallback>
       </mc:AlternateContent>
-      <mc:AlternateContent xmlns:mc="http://schemas.openxmlformats.org/markup-compatibility/2006">
-        <mc:Choice xmlns:p14="http://schemas.microsoft.com/office/powerpoint/2010/main" Requires="p14">
+      <mc:AlternateContent xmlns:mc="http://schemas.openxmlformats.org/markup-compatibility/2006" xmlns:p14="http://schemas.microsoft.com/office/powerpoint/2010/main">
+        <mc:Choice Requires="p14">
           <p:contentPart p14:bwMode="auto" r:id="rId28">
             <p14:nvContentPartPr>
               <p14:cNvPr id="35" name="Ink 34">
@@ -19216,7 +19279,7 @@
             </p14:xfrm>
           </p:contentPart>
         </mc:Choice>
-        <mc:Fallback>
+        <mc:Fallback xmlns="">
           <p:pic>
             <p:nvPicPr>
               <p:cNvPr id="35" name="Ink 34">
@@ -19247,8 +19310,8 @@
           </p:pic>
         </mc:Fallback>
       </mc:AlternateContent>
-      <mc:AlternateContent xmlns:mc="http://schemas.openxmlformats.org/markup-compatibility/2006">
-        <mc:Choice xmlns:p14="http://schemas.microsoft.com/office/powerpoint/2010/main" Requires="p14">
+      <mc:AlternateContent xmlns:mc="http://schemas.openxmlformats.org/markup-compatibility/2006" xmlns:p14="http://schemas.microsoft.com/office/powerpoint/2010/main">
+        <mc:Choice Requires="p14">
           <p:contentPart p14:bwMode="auto" r:id="rId30">
             <p14:nvContentPartPr>
               <p14:cNvPr id="36" name="Ink 35">
@@ -19267,7 +19330,7 @@
             </p14:xfrm>
           </p:contentPart>
         </mc:Choice>
-        <mc:Fallback>
+        <mc:Fallback xmlns="">
           <p:pic>
             <p:nvPicPr>
               <p:cNvPr id="36" name="Ink 35">
@@ -19298,8 +19361,8 @@
           </p:pic>
         </mc:Fallback>
       </mc:AlternateContent>
-      <mc:AlternateContent xmlns:mc="http://schemas.openxmlformats.org/markup-compatibility/2006">
-        <mc:Choice xmlns:p14="http://schemas.microsoft.com/office/powerpoint/2010/main" Requires="p14">
+      <mc:AlternateContent xmlns:mc="http://schemas.openxmlformats.org/markup-compatibility/2006" xmlns:p14="http://schemas.microsoft.com/office/powerpoint/2010/main">
+        <mc:Choice Requires="p14">
           <p:contentPart p14:bwMode="auto" r:id="rId32">
             <p14:nvContentPartPr>
               <p14:cNvPr id="37" name="Ink 36">
@@ -19318,7 +19381,7 @@
             </p14:xfrm>
           </p:contentPart>
         </mc:Choice>
-        <mc:Fallback>
+        <mc:Fallback xmlns="">
           <p:pic>
             <p:nvPicPr>
               <p:cNvPr id="37" name="Ink 36">
@@ -19839,8 +19902,8 @@
           </a:prstGeom>
         </p:spPr>
       </p:pic>
-      <mc:AlternateContent xmlns:mc="http://schemas.openxmlformats.org/markup-compatibility/2006">
-        <mc:Choice xmlns:p14="http://schemas.microsoft.com/office/powerpoint/2010/main" Requires="p14">
+      <mc:AlternateContent xmlns:mc="http://schemas.openxmlformats.org/markup-compatibility/2006" xmlns:p14="http://schemas.microsoft.com/office/powerpoint/2010/main">
+        <mc:Choice Requires="p14">
           <p:contentPart p14:bwMode="auto" r:id="rId4">
             <p14:nvContentPartPr>
               <p14:cNvPr id="4" name="Ink 3">
@@ -19859,7 +19922,7 @@
             </p14:xfrm>
           </p:contentPart>
         </mc:Choice>
-        <mc:Fallback>
+        <mc:Fallback xmlns="">
           <p:pic>
             <p:nvPicPr>
               <p:cNvPr id="4" name="Ink 3">
@@ -19890,8 +19953,8 @@
           </p:pic>
         </mc:Fallback>
       </mc:AlternateContent>
-      <mc:AlternateContent xmlns:mc="http://schemas.openxmlformats.org/markup-compatibility/2006">
-        <mc:Choice xmlns:p14="http://schemas.microsoft.com/office/powerpoint/2010/main" Requires="p14">
+      <mc:AlternateContent xmlns:mc="http://schemas.openxmlformats.org/markup-compatibility/2006" xmlns:p14="http://schemas.microsoft.com/office/powerpoint/2010/main">
+        <mc:Choice Requires="p14">
           <p:contentPart p14:bwMode="auto" r:id="rId6">
             <p14:nvContentPartPr>
               <p14:cNvPr id="6" name="Ink 5">
@@ -19910,7 +19973,7 @@
             </p14:xfrm>
           </p:contentPart>
         </mc:Choice>
-        <mc:Fallback>
+        <mc:Fallback xmlns="">
           <p:pic>
             <p:nvPicPr>
               <p:cNvPr id="6" name="Ink 5">
@@ -19941,8 +20004,8 @@
           </p:pic>
         </mc:Fallback>
       </mc:AlternateContent>
-      <mc:AlternateContent xmlns:mc="http://schemas.openxmlformats.org/markup-compatibility/2006">
-        <mc:Choice xmlns:p14="http://schemas.microsoft.com/office/powerpoint/2010/main" Requires="p14">
+      <mc:AlternateContent xmlns:mc="http://schemas.openxmlformats.org/markup-compatibility/2006" xmlns:p14="http://schemas.microsoft.com/office/powerpoint/2010/main">
+        <mc:Choice Requires="p14">
           <p:contentPart p14:bwMode="auto" r:id="rId8">
             <p14:nvContentPartPr>
               <p14:cNvPr id="8" name="Ink 7">
@@ -19961,7 +20024,7 @@
             </p14:xfrm>
           </p:contentPart>
         </mc:Choice>
-        <mc:Fallback>
+        <mc:Fallback xmlns="">
           <p:pic>
             <p:nvPicPr>
               <p:cNvPr id="8" name="Ink 7">
@@ -19992,8 +20055,8 @@
           </p:pic>
         </mc:Fallback>
       </mc:AlternateContent>
-      <mc:AlternateContent xmlns:mc="http://schemas.openxmlformats.org/markup-compatibility/2006">
-        <mc:Choice xmlns:p14="http://schemas.microsoft.com/office/powerpoint/2010/main" Requires="p14">
+      <mc:AlternateContent xmlns:mc="http://schemas.openxmlformats.org/markup-compatibility/2006" xmlns:p14="http://schemas.microsoft.com/office/powerpoint/2010/main">
+        <mc:Choice Requires="p14">
           <p:contentPart p14:bwMode="auto" r:id="rId10">
             <p14:nvContentPartPr>
               <p14:cNvPr id="9" name="Ink 8">
@@ -20012,7 +20075,7 @@
             </p14:xfrm>
           </p:contentPart>
         </mc:Choice>
-        <mc:Fallback>
+        <mc:Fallback xmlns="">
           <p:pic>
             <p:nvPicPr>
               <p:cNvPr id="9" name="Ink 8">
@@ -20043,8 +20106,8 @@
           </p:pic>
         </mc:Fallback>
       </mc:AlternateContent>
-      <mc:AlternateContent xmlns:mc="http://schemas.openxmlformats.org/markup-compatibility/2006">
-        <mc:Choice xmlns:p14="http://schemas.microsoft.com/office/powerpoint/2010/main" Requires="p14">
+      <mc:AlternateContent xmlns:mc="http://schemas.openxmlformats.org/markup-compatibility/2006" xmlns:p14="http://schemas.microsoft.com/office/powerpoint/2010/main">
+        <mc:Choice Requires="p14">
           <p:contentPart p14:bwMode="auto" r:id="rId12">
             <p14:nvContentPartPr>
               <p14:cNvPr id="10" name="Ink 9">
@@ -20063,7 +20126,7 @@
             </p14:xfrm>
           </p:contentPart>
         </mc:Choice>
-        <mc:Fallback>
+        <mc:Fallback xmlns="">
           <p:pic>
             <p:nvPicPr>
               <p:cNvPr id="10" name="Ink 9">
@@ -20094,8 +20157,8 @@
           </p:pic>
         </mc:Fallback>
       </mc:AlternateContent>
-      <mc:AlternateContent xmlns:mc="http://schemas.openxmlformats.org/markup-compatibility/2006">
-        <mc:Choice xmlns:p14="http://schemas.microsoft.com/office/powerpoint/2010/main" Requires="p14">
+      <mc:AlternateContent xmlns:mc="http://schemas.openxmlformats.org/markup-compatibility/2006" xmlns:p14="http://schemas.microsoft.com/office/powerpoint/2010/main">
+        <mc:Choice Requires="p14">
           <p:contentPart p14:bwMode="auto" r:id="rId14">
             <p14:nvContentPartPr>
               <p14:cNvPr id="11" name="Ink 10">
@@ -20114,7 +20177,7 @@
             </p14:xfrm>
           </p:contentPart>
         </mc:Choice>
-        <mc:Fallback>
+        <mc:Fallback xmlns="">
           <p:pic>
             <p:nvPicPr>
               <p:cNvPr id="11" name="Ink 10">
